--- a/MEMOIRE/Matching.pptx
+++ b/MEMOIRE/Matching.pptx
@@ -259,7 +259,7 @@
           <a:p>
             <a:fld id="{2C4F7ECD-4E49-B043-B520-6BF501F0A26F}" type="datetimeFigureOut">
               <a:rPr lang="fr-FR" smtClean="0"/>
-              <a:t>15/05/2020</a:t>
+              <a:t>18/06/2020</a:t>
             </a:fld>
             <a:endParaRPr lang="fr-FR"/>
           </a:p>
@@ -457,7 +457,7 @@
           <a:p>
             <a:fld id="{2C4F7ECD-4E49-B043-B520-6BF501F0A26F}" type="datetimeFigureOut">
               <a:rPr lang="fr-FR" smtClean="0"/>
-              <a:t>15/05/2020</a:t>
+              <a:t>18/06/2020</a:t>
             </a:fld>
             <a:endParaRPr lang="fr-FR"/>
           </a:p>
@@ -665,7 +665,7 @@
           <a:p>
             <a:fld id="{2C4F7ECD-4E49-B043-B520-6BF501F0A26F}" type="datetimeFigureOut">
               <a:rPr lang="fr-FR" smtClean="0"/>
-              <a:t>15/05/2020</a:t>
+              <a:t>18/06/2020</a:t>
             </a:fld>
             <a:endParaRPr lang="fr-FR"/>
           </a:p>
@@ -863,7 +863,7 @@
           <a:p>
             <a:fld id="{2C4F7ECD-4E49-B043-B520-6BF501F0A26F}" type="datetimeFigureOut">
               <a:rPr lang="fr-FR" smtClean="0"/>
-              <a:t>15/05/2020</a:t>
+              <a:t>18/06/2020</a:t>
             </a:fld>
             <a:endParaRPr lang="fr-FR"/>
           </a:p>
@@ -1138,7 +1138,7 @@
           <a:p>
             <a:fld id="{2C4F7ECD-4E49-B043-B520-6BF501F0A26F}" type="datetimeFigureOut">
               <a:rPr lang="fr-FR" smtClean="0"/>
-              <a:t>15/05/2020</a:t>
+              <a:t>18/06/2020</a:t>
             </a:fld>
             <a:endParaRPr lang="fr-FR"/>
           </a:p>
@@ -1403,7 +1403,7 @@
           <a:p>
             <a:fld id="{2C4F7ECD-4E49-B043-B520-6BF501F0A26F}" type="datetimeFigureOut">
               <a:rPr lang="fr-FR" smtClean="0"/>
-              <a:t>15/05/2020</a:t>
+              <a:t>18/06/2020</a:t>
             </a:fld>
             <a:endParaRPr lang="fr-FR"/>
           </a:p>
@@ -1815,7 +1815,7 @@
           <a:p>
             <a:fld id="{2C4F7ECD-4E49-B043-B520-6BF501F0A26F}" type="datetimeFigureOut">
               <a:rPr lang="fr-FR" smtClean="0"/>
-              <a:t>15/05/2020</a:t>
+              <a:t>18/06/2020</a:t>
             </a:fld>
             <a:endParaRPr lang="fr-FR"/>
           </a:p>
@@ -1956,7 +1956,7 @@
           <a:p>
             <a:fld id="{2C4F7ECD-4E49-B043-B520-6BF501F0A26F}" type="datetimeFigureOut">
               <a:rPr lang="fr-FR" smtClean="0"/>
-              <a:t>15/05/2020</a:t>
+              <a:t>18/06/2020</a:t>
             </a:fld>
             <a:endParaRPr lang="fr-FR"/>
           </a:p>
@@ -2069,7 +2069,7 @@
           <a:p>
             <a:fld id="{2C4F7ECD-4E49-B043-B520-6BF501F0A26F}" type="datetimeFigureOut">
               <a:rPr lang="fr-FR" smtClean="0"/>
-              <a:t>15/05/2020</a:t>
+              <a:t>18/06/2020</a:t>
             </a:fld>
             <a:endParaRPr lang="fr-FR"/>
           </a:p>
@@ -2380,7 +2380,7 @@
           <a:p>
             <a:fld id="{2C4F7ECD-4E49-B043-B520-6BF501F0A26F}" type="datetimeFigureOut">
               <a:rPr lang="fr-FR" smtClean="0"/>
-              <a:t>15/05/2020</a:t>
+              <a:t>18/06/2020</a:t>
             </a:fld>
             <a:endParaRPr lang="fr-FR"/>
           </a:p>
@@ -2668,7 +2668,7 @@
           <a:p>
             <a:fld id="{2C4F7ECD-4E49-B043-B520-6BF501F0A26F}" type="datetimeFigureOut">
               <a:rPr lang="fr-FR" smtClean="0"/>
-              <a:t>15/05/2020</a:t>
+              <a:t>18/06/2020</a:t>
             </a:fld>
             <a:endParaRPr lang="fr-FR"/>
           </a:p>
@@ -2909,7 +2909,7 @@
           <a:p>
             <a:fld id="{2C4F7ECD-4E49-B043-B520-6BF501F0A26F}" type="datetimeFigureOut">
               <a:rPr lang="fr-FR" smtClean="0"/>
-              <a:t>15/05/2020</a:t>
+              <a:t>18/06/2020</a:t>
             </a:fld>
             <a:endParaRPr lang="fr-FR"/>
           </a:p>
@@ -3341,7 +3341,7 @@
           <p:nvPr>
             <p:extLst>
               <p:ext uri="{D42A27DB-BD31-4B8C-83A1-F6EECF244321}">
-                <p14:modId xmlns:p14="http://schemas.microsoft.com/office/powerpoint/2010/main" val="2936263832"/>
+                <p14:modId xmlns:p14="http://schemas.microsoft.com/office/powerpoint/2010/main" val="3593409402"/>
               </p:ext>
             </p:extLst>
           </p:nvPr>
@@ -3380,13 +3380,14 @@
                     <a:p>
                       <a:pPr algn="ctr"/>
                       <a:r>
-                        <a:rPr lang="fr-FR" sz="3200" b="1" dirty="0">
+                        <a:rPr lang="fr-FR" sz="2800" b="0" dirty="0">
                           <a:solidFill>
                             <a:schemeClr val="tx1"/>
                           </a:solidFill>
-                          <a:latin typeface="Andale Mono" panose="020B0509000000000004" pitchFamily="49" charset="0"/>
+                          <a:latin typeface="Futura Medium" panose="020B0602020204020303" pitchFamily="34" charset="-79"/>
+                          <a:cs typeface="Futura Medium" panose="020B0602020204020303" pitchFamily="34" charset="-79"/>
                         </a:rPr>
-                        <a:t>( 1 , -1 )</a:t>
+                        <a:t>(10 , -10)</a:t>
                       </a:r>
                     </a:p>
                   </a:txBody>
@@ -3441,13 +3442,14 @@
                     <a:p>
                       <a:pPr algn="ctr"/>
                       <a:r>
-                        <a:rPr lang="fr-FR" sz="3200" b="1" dirty="0">
+                        <a:rPr lang="fr-FR" sz="2800" b="0" dirty="0">
                           <a:solidFill>
                             <a:schemeClr val="tx1"/>
                           </a:solidFill>
-                          <a:latin typeface="Andale Mono" panose="020B0509000000000004" pitchFamily="49" charset="0"/>
+                          <a:latin typeface="Futura Medium" panose="020B0602020204020303" pitchFamily="34" charset="-79"/>
+                          <a:cs typeface="Futura Medium" panose="020B0602020204020303" pitchFamily="34" charset="-79"/>
                         </a:rPr>
-                        <a:t>( -1 , 1)</a:t>
+                        <a:t>(4 , -4)</a:t>
                       </a:r>
                     </a:p>
                   </a:txBody>
@@ -3525,20 +3527,24 @@
                         <a:defRPr/>
                       </a:pPr>
                       <a:r>
-                        <a:rPr lang="fr-FR" sz="3200" b="1" dirty="0">
+                        <a:rPr lang="fr-FR" sz="2800" b="0" dirty="0">
                           <a:solidFill>
                             <a:schemeClr val="tx1"/>
                           </a:solidFill>
-                          <a:latin typeface="Andale Mono" panose="020B0509000000000004" pitchFamily="49" charset="0"/>
+                          <a:latin typeface="Futura Medium" panose="020B0602020204020303" pitchFamily="34" charset="-79"/>
+                          <a:cs typeface="Futura Medium" panose="020B0602020204020303" pitchFamily="34" charset="-79"/>
                         </a:rPr>
-                        <a:t>( -1 , 1)</a:t>
+                        <a:t>(0 , 0)</a:t>
                       </a:r>
                     </a:p>
                     <a:p>
-                      <a:endParaRPr lang="fr-FR" b="1" dirty="0">
+                      <a:pPr algn="ctr"/>
+                      <a:endParaRPr lang="fr-FR" sz="2800" b="0" dirty="0">
                         <a:solidFill>
                           <a:schemeClr val="tx1"/>
                         </a:solidFill>
+                        <a:latin typeface="Futura Medium" panose="020B0602020204020303" pitchFamily="34" charset="-79"/>
+                        <a:cs typeface="Futura Medium" panose="020B0602020204020303" pitchFamily="34" charset="-79"/>
                       </a:endParaRPr>
                     </a:p>
                   </a:txBody>
@@ -3609,20 +3615,24 @@
                         <a:defRPr/>
                       </a:pPr>
                       <a:r>
-                        <a:rPr lang="fr-FR" sz="2800" b="1" dirty="0">
+                        <a:rPr lang="fr-FR" sz="2800" b="0" dirty="0">
                           <a:solidFill>
                             <a:schemeClr val="tx1"/>
                           </a:solidFill>
-                          <a:latin typeface="Andale Mono" panose="020B0509000000000004" pitchFamily="49" charset="0"/>
+                          <a:latin typeface="Futura Medium" panose="020B0602020204020303" pitchFamily="34" charset="-79"/>
+                          <a:cs typeface="Futura Medium" panose="020B0602020204020303" pitchFamily="34" charset="-79"/>
                         </a:rPr>
-                        <a:t>( 1 , -1 )</a:t>
+                        <a:t>(-10 , 10)</a:t>
                       </a:r>
                     </a:p>
                     <a:p>
-                      <a:endParaRPr lang="fr-FR" b="1" dirty="0">
+                      <a:pPr algn="ctr"/>
+                      <a:endParaRPr lang="fr-FR" sz="2800" b="0" dirty="0">
                         <a:solidFill>
                           <a:schemeClr val="tx1"/>
                         </a:solidFill>
+                        <a:latin typeface="Futura Medium" panose="020B0602020204020303" pitchFamily="34" charset="-79"/>
+                        <a:cs typeface="Futura Medium" panose="020B0602020204020303" pitchFamily="34" charset="-79"/>
                       </a:endParaRPr>
                     </a:p>
                   </a:txBody>
@@ -3711,16 +3721,15 @@
             <a:pPr algn="ctr"/>
             <a:r>
               <a:rPr lang="fr-FR" sz="3200" b="1" u="sng" dirty="0">
-                <a:latin typeface="Andale Mono" panose="020B0509000000000004" pitchFamily="49" charset="0"/>
+                <a:latin typeface="Futura Medium" panose="020B0602020204020303" pitchFamily="34" charset="-79"/>
+                <a:cs typeface="Futura Medium" panose="020B0602020204020303" pitchFamily="34" charset="-79"/>
               </a:rPr>
-              <a:t>Joueur B : </a:t>
-            </a:r>
-            <a:r>
-              <a:rPr lang="fr-FR" sz="3200" b="1" i="1" u="sng" dirty="0">
-                <a:latin typeface="Andale Mono" panose="020B0509000000000004" pitchFamily="49" charset="0"/>
-              </a:rPr>
-              <a:t>Impair</a:t>
-            </a:r>
+              <a:t>Société B</a:t>
+            </a:r>
+            <a:endParaRPr lang="fr-FR" sz="3200" b="1" i="1" u="sng" dirty="0">
+              <a:latin typeface="Futura Medium" panose="020B0602020204020303" pitchFamily="34" charset="-79"/>
+              <a:cs typeface="Futura Medium" panose="020B0602020204020303" pitchFamily="34" charset="-79"/>
+            </a:endParaRPr>
           </a:p>
         </p:txBody>
       </p:sp>
@@ -3752,17 +3761,13 @@
           </a:bodyPr>
           <a:lstStyle/>
           <a:p>
-            <a:r>
-              <a:rPr lang="fr-FR" sz="3200" b="1" u="sng" dirty="0">
-                <a:latin typeface="Andale Mono" panose="020B0509000000000004" pitchFamily="49" charset="0"/>
+            <a:pPr algn="ctr"/>
+            <a:r>
+              <a:rPr lang="fr-FR" sz="3200" b="1" i="1" u="sng" dirty="0">
+                <a:latin typeface="Futura Medium" panose="020B0602020204020303" pitchFamily="34" charset="-79"/>
+                <a:cs typeface="Futura Medium" panose="020B0602020204020303" pitchFamily="34" charset="-79"/>
               </a:rPr>
-              <a:t>Joueur A : </a:t>
-            </a:r>
-            <a:r>
-              <a:rPr lang="fr-FR" sz="3200" b="1" i="1" u="sng" dirty="0">
-                <a:latin typeface="Andale Mono" panose="020B0509000000000004" pitchFamily="49" charset="0"/>
-              </a:rPr>
-              <a:t>Pair</a:t>
+              <a:t>Société A</a:t>
             </a:r>
           </a:p>
         </p:txBody>
@@ -3821,9 +3826,10 @@
                   <a:solidFill>
                     <a:srgbClr val="B19455"/>
                   </a:solidFill>
-                  <a:latin typeface="Andale Mono" panose="020B0509000000000004" pitchFamily="49" charset="0"/>
+                  <a:latin typeface="Futura Medium" panose="020B0602020204020303" pitchFamily="34" charset="-79"/>
+                  <a:cs typeface="Futura Medium" panose="020B0602020204020303" pitchFamily="34" charset="-79"/>
                 </a:rPr>
-                <a:t>FACE</a:t>
+                <a:t>SERIE</a:t>
               </a:r>
             </a:p>
           </p:txBody>
@@ -3862,9 +3868,10 @@
                   <a:solidFill>
                     <a:srgbClr val="B19455"/>
                   </a:solidFill>
-                  <a:latin typeface="Andale Mono" panose="020B0509000000000004" pitchFamily="49" charset="0"/>
+                  <a:latin typeface="Futura Medium" panose="020B0602020204020303" pitchFamily="34" charset="-79"/>
+                  <a:cs typeface="Futura Medium" panose="020B0602020204020303" pitchFamily="34" charset="-79"/>
                 </a:rPr>
-                <a:t>PILE</a:t>
+                <a:t>SPORT</a:t>
               </a:r>
             </a:p>
           </p:txBody>
@@ -3924,9 +3931,10 @@
                   <a:solidFill>
                     <a:srgbClr val="B19455"/>
                   </a:solidFill>
-                  <a:latin typeface="Andale Mono" panose="020B0509000000000004" pitchFamily="49" charset="0"/>
+                  <a:latin typeface="Futura Medium" panose="020B0602020204020303" pitchFamily="34" charset="-79"/>
+                  <a:cs typeface="Futura Medium" panose="020B0602020204020303" pitchFamily="34" charset="-79"/>
                 </a:rPr>
-                <a:t>PILE</a:t>
+                <a:t>SPORT</a:t>
               </a:r>
             </a:p>
           </p:txBody>
@@ -3965,9 +3973,10 @@
                   <a:solidFill>
                     <a:srgbClr val="B19455"/>
                   </a:solidFill>
-                  <a:latin typeface="Andale Mono" panose="020B0509000000000004" pitchFamily="49" charset="0"/>
+                  <a:latin typeface="Futura Medium" panose="020B0602020204020303" pitchFamily="34" charset="-79"/>
+                  <a:cs typeface="Futura Medium" panose="020B0602020204020303" pitchFamily="34" charset="-79"/>
                 </a:rPr>
-                <a:t>FACE</a:t>
+                <a:t>SERIE</a:t>
               </a:r>
             </a:p>
           </p:txBody>
